--- a/Presentation1.pptx
+++ b/Presentation1.pptx
@@ -104,6 +104,11 @@
       </a:defRPr>
     </a:lvl9pPr>
   </p:defaultTextStyle>
+  <p:extLst>
+    <p:ext uri="{EFAFB233-063F-42B5-8137-9DF3F51BA10A}">
+      <p15:sldGuideLst xmlns:p15="http://schemas.microsoft.com/office/powerpoint/2012/main"/>
+    </p:ext>
+  </p:extLst>
 </p:presentation>
 </file>
 
@@ -3343,9 +3348,22 @@
           <a:lstStyle/>
           <a:p>
             <a:r>
-              <a:rPr lang="en-US"/>
-              <a:t>111111</a:t>
-            </a:r>
+              <a:rPr lang="en-US" dirty="0"/>
+              <a:t>Hello </a:t>
+            </a:r>
+            <a:r>
+              <a:rPr lang="en-US" dirty="0" err="1"/>
+              <a:t>tôi</a:t>
+            </a:r>
+            <a:r>
+              <a:rPr lang="en-US" dirty="0"/>
+              <a:t> </a:t>
+            </a:r>
+            <a:r>
+              <a:rPr lang="en-US"/>
+              <a:t>là thành</a:t>
+            </a:r>
+            <a:endParaRPr lang="en-US" dirty="0"/>
           </a:p>
         </p:txBody>
       </p:sp>
@@ -3683,6 +3701,21 @@
 </file>
 
 <file path=customXml/item1.xml><?xml version="1.0" encoding="utf-8"?>
+<p:properties xmlns:p="http://schemas.microsoft.com/office/2006/metadata/properties" xmlns:xsi="http://www.w3.org/2001/XMLSchema-instance" xmlns:pc="http://schemas.microsoft.com/office/infopath/2007/PartnerControls">
+  <documentManagement/>
+</p:properties>
+</file>
+
+<file path=customXml/item2.xml><?xml version="1.0" encoding="utf-8"?>
+<?mso-contentType ?>
+<FormTemplates xmlns="http://schemas.microsoft.com/sharepoint/v3/contenttype/forms">
+  <Display>DocumentLibraryForm</Display>
+  <Edit>DocumentLibraryForm</Edit>
+  <New>DocumentLibraryForm</New>
+</FormTemplates>
+</file>
+
+<file path=customXml/item3.xml><?xml version="1.0" encoding="utf-8"?>
 <ct:contentTypeSchema xmlns:ct="http://schemas.microsoft.com/office/2006/metadata/contentType" xmlns:ma="http://schemas.microsoft.com/office/2006/metadata/properties/metaAttributes" ct:_="" ma:_="" ma:contentTypeName="Document" ma:contentTypeID="0x0101006D9D3B1A3CBCA94C9C619CD08E0E4046" ma:contentTypeVersion="10" ma:contentTypeDescription="Create a new document." ma:contentTypeScope="" ma:versionID="1143a8ffb6157c9600070b83068789f7">
   <xsd:schema xmlns:xsd="http://www.w3.org/2001/XMLSchema" xmlns:xs="http://www.w3.org/2001/XMLSchema" xmlns:p="http://schemas.microsoft.com/office/2006/metadata/properties" xmlns:ns3="520977d3-e5b6-4195-9522-2071cc7a7d60" xmlns:ns4="ff7972f0-e6b1-4e81-bd6d-6d5a7ea56092" targetNamespace="http://schemas.microsoft.com/office/2006/metadata/properties" ma:root="true" ma:fieldsID="94d07837525ce953ba67bed106eb5fd2" ns3:_="" ns4:_="">
     <xsd:import namespace="520977d3-e5b6-4195-9522-2071cc7a7d60"/>
@@ -3885,22 +3918,32 @@
 </ct:contentTypeSchema>
 </file>
 
-<file path=customXml/item2.xml><?xml version="1.0" encoding="utf-8"?>
-<?mso-contentType ?>
-<FormTemplates xmlns="http://schemas.microsoft.com/sharepoint/v3/contenttype/forms">
-  <Display>DocumentLibraryForm</Display>
-  <Edit>DocumentLibraryForm</Edit>
-  <New>DocumentLibraryForm</New>
-</FormTemplates>
+<file path=customXml/itemProps1.xml><?xml version="1.0" encoding="utf-8"?>
+<ds:datastoreItem xmlns:ds="http://schemas.openxmlformats.org/officeDocument/2006/customXml" ds:itemID="{88F19B03-3EA1-41F0-856F-55CA52F308AA}">
+  <ds:schemaRefs>
+    <ds:schemaRef ds:uri="http://purl.org/dc/elements/1.1/"/>
+    <ds:schemaRef ds:uri="http://www.w3.org/XML/1998/namespace"/>
+    <ds:schemaRef ds:uri="http://purl.org/dc/dcmitype/"/>
+    <ds:schemaRef ds:uri="http://schemas.microsoft.com/office/2006/documentManagement/types"/>
+    <ds:schemaRef ds:uri="http://schemas.microsoft.com/office/infopath/2007/PartnerControls"/>
+    <ds:schemaRef ds:uri="http://schemas.openxmlformats.org/package/2006/metadata/core-properties"/>
+    <ds:schemaRef ds:uri="http://schemas.microsoft.com/office/2006/metadata/properties"/>
+    <ds:schemaRef ds:uri="ff7972f0-e6b1-4e81-bd6d-6d5a7ea56092"/>
+    <ds:schemaRef ds:uri="520977d3-e5b6-4195-9522-2071cc7a7d60"/>
+    <ds:schemaRef ds:uri="http://purl.org/dc/terms/"/>
+  </ds:schemaRefs>
+</ds:datastoreItem>
 </file>
 
-<file path=customXml/item3.xml><?xml version="1.0" encoding="utf-8"?>
-<p:properties xmlns:p="http://schemas.microsoft.com/office/2006/metadata/properties" xmlns:xsi="http://www.w3.org/2001/XMLSchema-instance" xmlns:pc="http://schemas.microsoft.com/office/infopath/2007/PartnerControls">
-  <documentManagement/>
-</p:properties>
+<file path=customXml/itemProps2.xml><?xml version="1.0" encoding="utf-8"?>
+<ds:datastoreItem xmlns:ds="http://schemas.openxmlformats.org/officeDocument/2006/customXml" ds:itemID="{278BF877-E09A-4C74-820D-E36FF71535C4}">
+  <ds:schemaRefs>
+    <ds:schemaRef ds:uri="http://schemas.microsoft.com/sharepoint/v3/contenttype/forms"/>
+  </ds:schemaRefs>
+</ds:datastoreItem>
 </file>
 
-<file path=customXml/itemProps1.xml><?xml version="1.0" encoding="utf-8"?>
+<file path=customXml/itemProps3.xml><?xml version="1.0" encoding="utf-8"?>
 <ds:datastoreItem xmlns:ds="http://schemas.openxmlformats.org/officeDocument/2006/customXml" ds:itemID="{25093C14-7281-4BF7-9D96-35D2F14EE16A}">
   <ds:schemaRefs>
     <ds:schemaRef ds:uri="http://schemas.microsoft.com/office/2006/metadata/contentType"/>
@@ -3917,29 +3960,4 @@
     <ds:schemaRef ds:uri="http://schemas.microsoft.com/internal/obd"/>
   </ds:schemaRefs>
 </ds:datastoreItem>
-</file>
-
-<file path=customXml/itemProps2.xml><?xml version="1.0" encoding="utf-8"?>
-<ds:datastoreItem xmlns:ds="http://schemas.openxmlformats.org/officeDocument/2006/customXml" ds:itemID="{278BF877-E09A-4C74-820D-E36FF71535C4}">
-  <ds:schemaRefs>
-    <ds:schemaRef ds:uri="http://schemas.microsoft.com/sharepoint/v3/contenttype/forms"/>
-  </ds:schemaRefs>
-</ds:datastoreItem>
-</file>
-
-<file path=customXml/itemProps3.xml><?xml version="1.0" encoding="utf-8"?>
-<ds:datastoreItem xmlns:ds="http://schemas.openxmlformats.org/officeDocument/2006/customXml" ds:itemID="{88F19B03-3EA1-41F0-856F-55CA52F308AA}">
-  <ds:schemaRefs>
-    <ds:schemaRef ds:uri="http://purl.org/dc/elements/1.1/"/>
-    <ds:schemaRef ds:uri="http://www.w3.org/XML/1998/namespace"/>
-    <ds:schemaRef ds:uri="http://purl.org/dc/dcmitype/"/>
-    <ds:schemaRef ds:uri="http://schemas.microsoft.com/office/2006/documentManagement/types"/>
-    <ds:schemaRef ds:uri="http://schemas.microsoft.com/office/infopath/2007/PartnerControls"/>
-    <ds:schemaRef ds:uri="http://schemas.openxmlformats.org/package/2006/metadata/core-properties"/>
-    <ds:schemaRef ds:uri="http://schemas.microsoft.com/office/2006/metadata/properties"/>
-    <ds:schemaRef ds:uri="ff7972f0-e6b1-4e81-bd6d-6d5a7ea56092"/>
-    <ds:schemaRef ds:uri="520977d3-e5b6-4195-9522-2071cc7a7d60"/>
-    <ds:schemaRef ds:uri="http://purl.org/dc/terms/"/>
-  </ds:schemaRefs>
-</ds:datastoreItem>
 </file>